--- a/Алгоритм Флойда-Уоршелла.pptx
+++ b/Алгоритм Флойда-Уоршелла.pptx
@@ -7,9 +7,10 @@
   <p:sldIdLst>
     <p:sldId id="256" r:id="rId2"/>
     <p:sldId id="257" r:id="rId3"/>
-    <p:sldId id="258" r:id="rId4"/>
-    <p:sldId id="259" r:id="rId5"/>
-    <p:sldId id="260" r:id="rId6"/>
+    <p:sldId id="259" r:id="rId4"/>
+    <p:sldId id="258" r:id="rId5"/>
+    <p:sldId id="261" r:id="rId6"/>
+    <p:sldId id="260" r:id="rId7"/>
   </p:sldIdLst>
   <p:sldSz cx="12192000" cy="6858000"/>
   <p:notesSz cx="6858000" cy="9144000"/>
@@ -108,6 +109,11 @@
       </a:defRPr>
     </a:lvl9pPr>
   </p:defaultTextStyle>
+  <p:extLst>
+    <p:ext uri="{EFAFB233-063F-42B5-8137-9DF3F51BA10A}">
+      <p15:sldGuideLst xmlns:p15="http://schemas.microsoft.com/office/powerpoint/2012/main"/>
+    </p:ext>
+  </p:extLst>
 </p:presentation>
 </file>
 
@@ -153,7 +159,7 @@
           </a:lstStyle>
           <a:p>
             <a:r>
-              <a:rPr lang="ru-RU" smtClean="0"/>
+              <a:rPr lang="ru-RU"/>
               <a:t>Образец заголовка</a:t>
             </a:r>
             <a:endParaRPr lang="en-US"/>
@@ -218,7 +224,7 @@
           </a:lstStyle>
           <a:p>
             <a:r>
-              <a:rPr lang="ru-RU" smtClean="0"/>
+              <a:rPr lang="ru-RU"/>
               <a:t>Образец подзаголовка</a:t>
             </a:r>
             <a:endParaRPr lang="en-US"/>
@@ -242,7 +248,7 @@
           <a:p>
             <a:fld id="{10B03CFF-5068-414A-B85D-2ED7A8CCC094}" type="datetimeFigureOut">
               <a:rPr lang="en-US" smtClean="0"/>
-              <a:t>6/5/2025</a:t>
+              <a:t>6/10/2025</a:t>
             </a:fld>
             <a:endParaRPr lang="en-US"/>
           </a:p>
@@ -336,7 +342,7 @@
           <a:lstStyle/>
           <a:p>
             <a:r>
-              <a:rPr lang="ru-RU" smtClean="0"/>
+              <a:rPr lang="ru-RU"/>
               <a:t>Образец заголовка</a:t>
             </a:r>
             <a:endParaRPr lang="en-US"/>
@@ -360,35 +366,35 @@
           <a:p>
             <a:pPr lvl="0"/>
             <a:r>
-              <a:rPr lang="ru-RU" smtClean="0"/>
+              <a:rPr lang="ru-RU"/>
               <a:t>Образец текста</a:t>
             </a:r>
           </a:p>
           <a:p>
             <a:pPr lvl="1"/>
             <a:r>
-              <a:rPr lang="ru-RU" smtClean="0"/>
+              <a:rPr lang="ru-RU"/>
               <a:t>Второй уровень</a:t>
             </a:r>
           </a:p>
           <a:p>
             <a:pPr lvl="2"/>
             <a:r>
-              <a:rPr lang="ru-RU" smtClean="0"/>
+              <a:rPr lang="ru-RU"/>
               <a:t>Третий уровень</a:t>
             </a:r>
           </a:p>
           <a:p>
             <a:pPr lvl="3"/>
             <a:r>
-              <a:rPr lang="ru-RU" smtClean="0"/>
+              <a:rPr lang="ru-RU"/>
               <a:t>Четвертый уровень</a:t>
             </a:r>
           </a:p>
           <a:p>
             <a:pPr lvl="4"/>
             <a:r>
-              <a:rPr lang="ru-RU" smtClean="0"/>
+              <a:rPr lang="ru-RU"/>
               <a:t>Пятый уровень</a:t>
             </a:r>
             <a:endParaRPr lang="en-US"/>
@@ -412,7 +418,7 @@
           <a:p>
             <a:fld id="{10B03CFF-5068-414A-B85D-2ED7A8CCC094}" type="datetimeFigureOut">
               <a:rPr lang="en-US" smtClean="0"/>
-              <a:t>6/5/2025</a:t>
+              <a:t>6/10/2025</a:t>
             </a:fld>
             <a:endParaRPr lang="en-US"/>
           </a:p>
@@ -511,7 +517,7 @@
           <a:lstStyle/>
           <a:p>
             <a:r>
-              <a:rPr lang="ru-RU" smtClean="0"/>
+              <a:rPr lang="ru-RU"/>
               <a:t>Образец заголовка</a:t>
             </a:r>
             <a:endParaRPr lang="en-US"/>
@@ -540,35 +546,35 @@
           <a:p>
             <a:pPr lvl="0"/>
             <a:r>
-              <a:rPr lang="ru-RU" smtClean="0"/>
+              <a:rPr lang="ru-RU"/>
               <a:t>Образец текста</a:t>
             </a:r>
           </a:p>
           <a:p>
             <a:pPr lvl="1"/>
             <a:r>
-              <a:rPr lang="ru-RU" smtClean="0"/>
+              <a:rPr lang="ru-RU"/>
               <a:t>Второй уровень</a:t>
             </a:r>
           </a:p>
           <a:p>
             <a:pPr lvl="2"/>
             <a:r>
-              <a:rPr lang="ru-RU" smtClean="0"/>
+              <a:rPr lang="ru-RU"/>
               <a:t>Третий уровень</a:t>
             </a:r>
           </a:p>
           <a:p>
             <a:pPr lvl="3"/>
             <a:r>
-              <a:rPr lang="ru-RU" smtClean="0"/>
+              <a:rPr lang="ru-RU"/>
               <a:t>Четвертый уровень</a:t>
             </a:r>
           </a:p>
           <a:p>
             <a:pPr lvl="4"/>
             <a:r>
-              <a:rPr lang="ru-RU" smtClean="0"/>
+              <a:rPr lang="ru-RU"/>
               <a:t>Пятый уровень</a:t>
             </a:r>
             <a:endParaRPr lang="en-US"/>
@@ -592,7 +598,7 @@
           <a:p>
             <a:fld id="{10B03CFF-5068-414A-B85D-2ED7A8CCC094}" type="datetimeFigureOut">
               <a:rPr lang="en-US" smtClean="0"/>
-              <a:t>6/5/2025</a:t>
+              <a:t>6/10/2025</a:t>
             </a:fld>
             <a:endParaRPr lang="en-US"/>
           </a:p>
@@ -686,7 +692,7 @@
           <a:lstStyle/>
           <a:p>
             <a:r>
-              <a:rPr lang="ru-RU" smtClean="0"/>
+              <a:rPr lang="ru-RU"/>
               <a:t>Образец заголовка</a:t>
             </a:r>
             <a:endParaRPr lang="en-US"/>
@@ -710,35 +716,35 @@
           <a:p>
             <a:pPr lvl="0"/>
             <a:r>
-              <a:rPr lang="ru-RU" smtClean="0"/>
+              <a:rPr lang="ru-RU"/>
               <a:t>Образец текста</a:t>
             </a:r>
           </a:p>
           <a:p>
             <a:pPr lvl="1"/>
             <a:r>
-              <a:rPr lang="ru-RU" smtClean="0"/>
+              <a:rPr lang="ru-RU"/>
               <a:t>Второй уровень</a:t>
             </a:r>
           </a:p>
           <a:p>
             <a:pPr lvl="2"/>
             <a:r>
-              <a:rPr lang="ru-RU" smtClean="0"/>
+              <a:rPr lang="ru-RU"/>
               <a:t>Третий уровень</a:t>
             </a:r>
           </a:p>
           <a:p>
             <a:pPr lvl="3"/>
             <a:r>
-              <a:rPr lang="ru-RU" smtClean="0"/>
+              <a:rPr lang="ru-RU"/>
               <a:t>Четвертый уровень</a:t>
             </a:r>
           </a:p>
           <a:p>
             <a:pPr lvl="4"/>
             <a:r>
-              <a:rPr lang="ru-RU" smtClean="0"/>
+              <a:rPr lang="ru-RU"/>
               <a:t>Пятый уровень</a:t>
             </a:r>
             <a:endParaRPr lang="en-US"/>
@@ -762,7 +768,7 @@
           <a:p>
             <a:fld id="{10B03CFF-5068-414A-B85D-2ED7A8CCC094}" type="datetimeFigureOut">
               <a:rPr lang="en-US" smtClean="0"/>
-              <a:t>6/5/2025</a:t>
+              <a:t>6/10/2025</a:t>
             </a:fld>
             <a:endParaRPr lang="en-US"/>
           </a:p>
@@ -865,7 +871,7 @@
           </a:lstStyle>
           <a:p>
             <a:r>
-              <a:rPr lang="ru-RU" smtClean="0"/>
+              <a:rPr lang="ru-RU"/>
               <a:t>Образец заголовка</a:t>
             </a:r>
             <a:endParaRPr lang="en-US"/>
@@ -985,7 +991,7 @@
           <a:p>
             <a:pPr lvl="0"/>
             <a:r>
-              <a:rPr lang="ru-RU" smtClean="0"/>
+              <a:rPr lang="ru-RU"/>
               <a:t>Образец текста</a:t>
             </a:r>
           </a:p>
@@ -1008,7 +1014,7 @@
           <a:p>
             <a:fld id="{10B03CFF-5068-414A-B85D-2ED7A8CCC094}" type="datetimeFigureOut">
               <a:rPr lang="en-US" smtClean="0"/>
-              <a:t>6/5/2025</a:t>
+              <a:t>6/10/2025</a:t>
             </a:fld>
             <a:endParaRPr lang="en-US"/>
           </a:p>
@@ -1102,7 +1108,7 @@
           <a:lstStyle/>
           <a:p>
             <a:r>
-              <a:rPr lang="ru-RU" smtClean="0"/>
+              <a:rPr lang="ru-RU"/>
               <a:t>Образец заголовка</a:t>
             </a:r>
             <a:endParaRPr lang="en-US"/>
@@ -1131,35 +1137,35 @@
           <a:p>
             <a:pPr lvl="0"/>
             <a:r>
-              <a:rPr lang="ru-RU" smtClean="0"/>
+              <a:rPr lang="ru-RU"/>
               <a:t>Образец текста</a:t>
             </a:r>
           </a:p>
           <a:p>
             <a:pPr lvl="1"/>
             <a:r>
-              <a:rPr lang="ru-RU" smtClean="0"/>
+              <a:rPr lang="ru-RU"/>
               <a:t>Второй уровень</a:t>
             </a:r>
           </a:p>
           <a:p>
             <a:pPr lvl="2"/>
             <a:r>
-              <a:rPr lang="ru-RU" smtClean="0"/>
+              <a:rPr lang="ru-RU"/>
               <a:t>Третий уровень</a:t>
             </a:r>
           </a:p>
           <a:p>
             <a:pPr lvl="3"/>
             <a:r>
-              <a:rPr lang="ru-RU" smtClean="0"/>
+              <a:rPr lang="ru-RU"/>
               <a:t>Четвертый уровень</a:t>
             </a:r>
           </a:p>
           <a:p>
             <a:pPr lvl="4"/>
             <a:r>
-              <a:rPr lang="ru-RU" smtClean="0"/>
+              <a:rPr lang="ru-RU"/>
               <a:t>Пятый уровень</a:t>
             </a:r>
             <a:endParaRPr lang="en-US"/>
@@ -1188,35 +1194,35 @@
           <a:p>
             <a:pPr lvl="0"/>
             <a:r>
-              <a:rPr lang="ru-RU" smtClean="0"/>
+              <a:rPr lang="ru-RU"/>
               <a:t>Образец текста</a:t>
             </a:r>
           </a:p>
           <a:p>
             <a:pPr lvl="1"/>
             <a:r>
-              <a:rPr lang="ru-RU" smtClean="0"/>
+              <a:rPr lang="ru-RU"/>
               <a:t>Второй уровень</a:t>
             </a:r>
           </a:p>
           <a:p>
             <a:pPr lvl="2"/>
             <a:r>
-              <a:rPr lang="ru-RU" smtClean="0"/>
+              <a:rPr lang="ru-RU"/>
               <a:t>Третий уровень</a:t>
             </a:r>
           </a:p>
           <a:p>
             <a:pPr lvl="3"/>
             <a:r>
-              <a:rPr lang="ru-RU" smtClean="0"/>
+              <a:rPr lang="ru-RU"/>
               <a:t>Четвертый уровень</a:t>
             </a:r>
           </a:p>
           <a:p>
             <a:pPr lvl="4"/>
             <a:r>
-              <a:rPr lang="ru-RU" smtClean="0"/>
+              <a:rPr lang="ru-RU"/>
               <a:t>Пятый уровень</a:t>
             </a:r>
             <a:endParaRPr lang="en-US"/>
@@ -1240,7 +1246,7 @@
           <a:p>
             <a:fld id="{10B03CFF-5068-414A-B85D-2ED7A8CCC094}" type="datetimeFigureOut">
               <a:rPr lang="en-US" smtClean="0"/>
-              <a:t>6/5/2025</a:t>
+              <a:t>6/10/2025</a:t>
             </a:fld>
             <a:endParaRPr lang="en-US"/>
           </a:p>
@@ -1339,7 +1345,7 @@
           <a:lstStyle/>
           <a:p>
             <a:r>
-              <a:rPr lang="ru-RU" smtClean="0"/>
+              <a:rPr lang="ru-RU"/>
               <a:t>Образец заголовка</a:t>
             </a:r>
             <a:endParaRPr lang="en-US"/>
@@ -1405,7 +1411,7 @@
           <a:p>
             <a:pPr lvl="0"/>
             <a:r>
-              <a:rPr lang="ru-RU" smtClean="0"/>
+              <a:rPr lang="ru-RU"/>
               <a:t>Образец текста</a:t>
             </a:r>
           </a:p>
@@ -1433,35 +1439,35 @@
           <a:p>
             <a:pPr lvl="0"/>
             <a:r>
-              <a:rPr lang="ru-RU" smtClean="0"/>
+              <a:rPr lang="ru-RU"/>
               <a:t>Образец текста</a:t>
             </a:r>
           </a:p>
           <a:p>
             <a:pPr lvl="1"/>
             <a:r>
-              <a:rPr lang="ru-RU" smtClean="0"/>
+              <a:rPr lang="ru-RU"/>
               <a:t>Второй уровень</a:t>
             </a:r>
           </a:p>
           <a:p>
             <a:pPr lvl="2"/>
             <a:r>
-              <a:rPr lang="ru-RU" smtClean="0"/>
+              <a:rPr lang="ru-RU"/>
               <a:t>Третий уровень</a:t>
             </a:r>
           </a:p>
           <a:p>
             <a:pPr lvl="3"/>
             <a:r>
-              <a:rPr lang="ru-RU" smtClean="0"/>
+              <a:rPr lang="ru-RU"/>
               <a:t>Четвертый уровень</a:t>
             </a:r>
           </a:p>
           <a:p>
             <a:pPr lvl="4"/>
             <a:r>
-              <a:rPr lang="ru-RU" smtClean="0"/>
+              <a:rPr lang="ru-RU"/>
               <a:t>Пятый уровень</a:t>
             </a:r>
             <a:endParaRPr lang="en-US"/>
@@ -1527,7 +1533,7 @@
           <a:p>
             <a:pPr lvl="0"/>
             <a:r>
-              <a:rPr lang="ru-RU" smtClean="0"/>
+              <a:rPr lang="ru-RU"/>
               <a:t>Образец текста</a:t>
             </a:r>
           </a:p>
@@ -1555,35 +1561,35 @@
           <a:p>
             <a:pPr lvl="0"/>
             <a:r>
-              <a:rPr lang="ru-RU" smtClean="0"/>
+              <a:rPr lang="ru-RU"/>
               <a:t>Образец текста</a:t>
             </a:r>
           </a:p>
           <a:p>
             <a:pPr lvl="1"/>
             <a:r>
-              <a:rPr lang="ru-RU" smtClean="0"/>
+              <a:rPr lang="ru-RU"/>
               <a:t>Второй уровень</a:t>
             </a:r>
           </a:p>
           <a:p>
             <a:pPr lvl="2"/>
             <a:r>
-              <a:rPr lang="ru-RU" smtClean="0"/>
+              <a:rPr lang="ru-RU"/>
               <a:t>Третий уровень</a:t>
             </a:r>
           </a:p>
           <a:p>
             <a:pPr lvl="3"/>
             <a:r>
-              <a:rPr lang="ru-RU" smtClean="0"/>
+              <a:rPr lang="ru-RU"/>
               <a:t>Четвертый уровень</a:t>
             </a:r>
           </a:p>
           <a:p>
             <a:pPr lvl="4"/>
             <a:r>
-              <a:rPr lang="ru-RU" smtClean="0"/>
+              <a:rPr lang="ru-RU"/>
               <a:t>Пятый уровень</a:t>
             </a:r>
             <a:endParaRPr lang="en-US"/>
@@ -1607,7 +1613,7 @@
           <a:p>
             <a:fld id="{10B03CFF-5068-414A-B85D-2ED7A8CCC094}" type="datetimeFigureOut">
               <a:rPr lang="en-US" smtClean="0"/>
-              <a:t>6/5/2025</a:t>
+              <a:t>6/10/2025</a:t>
             </a:fld>
             <a:endParaRPr lang="en-US"/>
           </a:p>
@@ -1701,7 +1707,7 @@
           <a:lstStyle/>
           <a:p>
             <a:r>
-              <a:rPr lang="ru-RU" smtClean="0"/>
+              <a:rPr lang="ru-RU"/>
               <a:t>Образец заголовка</a:t>
             </a:r>
             <a:endParaRPr lang="en-US"/>
@@ -1725,7 +1731,7 @@
           <a:p>
             <a:fld id="{10B03CFF-5068-414A-B85D-2ED7A8CCC094}" type="datetimeFigureOut">
               <a:rPr lang="en-US" smtClean="0"/>
-              <a:t>6/5/2025</a:t>
+              <a:t>6/10/2025</a:t>
             </a:fld>
             <a:endParaRPr lang="en-US"/>
           </a:p>
@@ -1820,7 +1826,7 @@
           <a:p>
             <a:fld id="{10B03CFF-5068-414A-B85D-2ED7A8CCC094}" type="datetimeFigureOut">
               <a:rPr lang="en-US" smtClean="0"/>
-              <a:t>6/5/2025</a:t>
+              <a:t>6/10/2025</a:t>
             </a:fld>
             <a:endParaRPr lang="en-US"/>
           </a:p>
@@ -1923,7 +1929,7 @@
           </a:lstStyle>
           <a:p>
             <a:r>
-              <a:rPr lang="ru-RU" smtClean="0"/>
+              <a:rPr lang="ru-RU"/>
               <a:t>Образец заголовка</a:t>
             </a:r>
             <a:endParaRPr lang="en-US"/>
@@ -1980,35 +1986,35 @@
           <a:p>
             <a:pPr lvl="0"/>
             <a:r>
-              <a:rPr lang="ru-RU" smtClean="0"/>
+              <a:rPr lang="ru-RU"/>
               <a:t>Образец текста</a:t>
             </a:r>
           </a:p>
           <a:p>
             <a:pPr lvl="1"/>
             <a:r>
-              <a:rPr lang="ru-RU" smtClean="0"/>
+              <a:rPr lang="ru-RU"/>
               <a:t>Второй уровень</a:t>
             </a:r>
           </a:p>
           <a:p>
             <a:pPr lvl="2"/>
             <a:r>
-              <a:rPr lang="ru-RU" smtClean="0"/>
+              <a:rPr lang="ru-RU"/>
               <a:t>Третий уровень</a:t>
             </a:r>
           </a:p>
           <a:p>
             <a:pPr lvl="3"/>
             <a:r>
-              <a:rPr lang="ru-RU" smtClean="0"/>
+              <a:rPr lang="ru-RU"/>
               <a:t>Четвертый уровень</a:t>
             </a:r>
           </a:p>
           <a:p>
             <a:pPr lvl="4"/>
             <a:r>
-              <a:rPr lang="ru-RU" smtClean="0"/>
+              <a:rPr lang="ru-RU"/>
               <a:t>Пятый уровень</a:t>
             </a:r>
             <a:endParaRPr lang="en-US"/>
@@ -2074,7 +2080,7 @@
           <a:p>
             <a:pPr lvl="0"/>
             <a:r>
-              <a:rPr lang="ru-RU" smtClean="0"/>
+              <a:rPr lang="ru-RU"/>
               <a:t>Образец текста</a:t>
             </a:r>
           </a:p>
@@ -2097,7 +2103,7 @@
           <a:p>
             <a:fld id="{10B03CFF-5068-414A-B85D-2ED7A8CCC094}" type="datetimeFigureOut">
               <a:rPr lang="en-US" smtClean="0"/>
-              <a:t>6/5/2025</a:t>
+              <a:t>6/10/2025</a:t>
             </a:fld>
             <a:endParaRPr lang="en-US"/>
           </a:p>
@@ -2200,7 +2206,7 @@
           </a:lstStyle>
           <a:p>
             <a:r>
-              <a:rPr lang="ru-RU" smtClean="0"/>
+              <a:rPr lang="ru-RU"/>
               <a:t>Образец заголовка</a:t>
             </a:r>
             <a:endParaRPr lang="en-US"/>
@@ -2327,7 +2333,7 @@
           <a:p>
             <a:pPr lvl="0"/>
             <a:r>
-              <a:rPr lang="ru-RU" smtClean="0"/>
+              <a:rPr lang="ru-RU"/>
               <a:t>Образец текста</a:t>
             </a:r>
           </a:p>
@@ -2350,7 +2356,7 @@
           <a:p>
             <a:fld id="{10B03CFF-5068-414A-B85D-2ED7A8CCC094}" type="datetimeFigureOut">
               <a:rPr lang="en-US" smtClean="0"/>
-              <a:t>6/5/2025</a:t>
+              <a:t>6/10/2025</a:t>
             </a:fld>
             <a:endParaRPr lang="en-US"/>
           </a:p>
@@ -2468,7 +2474,7 @@
           <a:lstStyle/>
           <a:p>
             <a:r>
-              <a:rPr lang="ru-RU" smtClean="0"/>
+              <a:rPr lang="ru-RU"/>
               <a:t>Образец заголовка</a:t>
             </a:r>
             <a:endParaRPr lang="en-US"/>
@@ -2502,35 +2508,35 @@
           <a:p>
             <a:pPr lvl="0"/>
             <a:r>
-              <a:rPr lang="ru-RU" smtClean="0"/>
+              <a:rPr lang="ru-RU"/>
               <a:t>Образец текста</a:t>
             </a:r>
           </a:p>
           <a:p>
             <a:pPr lvl="1"/>
             <a:r>
-              <a:rPr lang="ru-RU" smtClean="0"/>
+              <a:rPr lang="ru-RU"/>
               <a:t>Второй уровень</a:t>
             </a:r>
           </a:p>
           <a:p>
             <a:pPr lvl="2"/>
             <a:r>
-              <a:rPr lang="ru-RU" smtClean="0"/>
+              <a:rPr lang="ru-RU"/>
               <a:t>Третий уровень</a:t>
             </a:r>
           </a:p>
           <a:p>
             <a:pPr lvl="3"/>
             <a:r>
-              <a:rPr lang="ru-RU" smtClean="0"/>
+              <a:rPr lang="ru-RU"/>
               <a:t>Четвертый уровень</a:t>
             </a:r>
           </a:p>
           <a:p>
             <a:pPr lvl="4"/>
             <a:r>
-              <a:rPr lang="ru-RU" smtClean="0"/>
+              <a:rPr lang="ru-RU"/>
               <a:t>Пятый уровень</a:t>
             </a:r>
             <a:endParaRPr lang="en-US"/>
@@ -2572,7 +2578,7 @@
           <a:p>
             <a:fld id="{10B03CFF-5068-414A-B85D-2ED7A8CCC094}" type="datetimeFigureOut">
               <a:rPr lang="en-US" smtClean="0"/>
-              <a:t>6/5/2025</a:t>
+              <a:t>6/10/2025</a:t>
             </a:fld>
             <a:endParaRPr lang="en-US"/>
           </a:p>
@@ -3000,13 +3006,13 @@
           <a:lstStyle/>
           <a:p>
             <a:r>
-              <a:rPr lang="ru-RU" sz="4800" b="1" dirty="0" smtClean="0">
+              <a:rPr lang="ru-RU" sz="4800" b="1" dirty="0">
                 <a:latin typeface="Century Gothic" panose="020B0502020202020204" pitchFamily="34" charset="0"/>
               </a:rPr>
               <a:t>Алгоритм </a:t>
             </a:r>
             <a:r>
-              <a:rPr lang="ru-RU" sz="4800" b="1" dirty="0" err="1" smtClean="0">
+              <a:rPr lang="ru-RU" sz="4800" b="1" dirty="0" err="1">
                 <a:latin typeface="Century Gothic" panose="020B0502020202020204" pitchFamily="34" charset="0"/>
               </a:rPr>
               <a:t>Флойда-Уоршелла</a:t>
@@ -3038,7 +3044,7 @@
           <a:lstStyle/>
           <a:p>
             <a:r>
-              <a:rPr lang="ru-RU" dirty="0" smtClean="0">
+              <a:rPr lang="ru-RU" dirty="0">
                 <a:latin typeface="Century Gothic" panose="020B0502020202020204" pitchFamily="34" charset="0"/>
               </a:rPr>
               <a:t>Котов Никита 11-401</a:t>
@@ -3104,7 +3110,7 @@
               <a:buChar char="•"/>
             </a:pPr>
             <a:r>
-              <a:rPr lang="ru-RU" b="1" dirty="0" smtClean="0">
+              <a:rPr lang="ru-RU" b="1" dirty="0">
                 <a:latin typeface="Century Gothic" panose="020B0502020202020204" pitchFamily="34" charset="0"/>
               </a:rPr>
               <a:t>Весовая матрица</a:t>
@@ -3226,15 +3232,6 @@
               <a:srgbClr val="FFFFFF"/>
             </a:contourClr>
           </a:sp3d>
-          <a:extLst>
-            <a:ext uri="{909E8E84-426E-40DD-AFC4-6F175D3DCCD1}">
-              <a14:hiddenFill xmlns:a14="http://schemas.microsoft.com/office/drawing/2010/main">
-                <a:solidFill>
-                  <a:srgbClr val="FFFFFF"/>
-                </a:solidFill>
-              </a14:hiddenFill>
-            </a:ext>
-          </a:extLst>
         </p:spPr>
       </p:pic>
     </p:spTree>
@@ -3292,143 +3289,7 @@
               <a:buChar char="•"/>
             </a:pPr>
             <a:r>
-              <a:rPr lang="ru-RU" b="1" dirty="0" smtClean="0">
-                <a:latin typeface="Century Gothic" panose="020B0502020202020204" pitchFamily="34" charset="0"/>
-              </a:rPr>
-              <a:t>Суть алгоритма</a:t>
-            </a:r>
-            <a:endParaRPr lang="en-US" b="1" dirty="0">
-              <a:latin typeface="Century Gothic" panose="020B0502020202020204" pitchFamily="34" charset="0"/>
-            </a:endParaRPr>
-          </a:p>
-        </p:txBody>
-      </p:sp>
-      <p:pic>
-        <p:nvPicPr>
-          <p:cNvPr id="3078" name="Picture 6" descr="Picture background"/>
-          <p:cNvPicPr>
-            <a:picLocks noChangeAspect="1" noChangeArrowheads="1"/>
-          </p:cNvPicPr>
-          <p:nvPr/>
-        </p:nvPicPr>
-        <p:blipFill>
-          <a:blip r:embed="rId2">
-            <a:extLst>
-              <a:ext uri="{28A0092B-C50C-407E-A947-70E740481C1C}">
-                <a14:useLocalDpi xmlns:a14="http://schemas.microsoft.com/office/drawing/2010/main" val="0"/>
-              </a:ext>
-            </a:extLst>
-          </a:blip>
-          <a:srcRect/>
-          <a:stretch>
-            <a:fillRect/>
-          </a:stretch>
-        </p:blipFill>
-        <p:spPr bwMode="auto">
-          <a:xfrm>
-            <a:off x="2625397" y="1587171"/>
-            <a:ext cx="7442429" cy="3903628"/>
-          </a:xfrm>
-          <a:prstGeom prst="rect">
-            <a:avLst/>
-          </a:prstGeom>
-          <a:solidFill>
-            <a:srgbClr val="FFFFFF">
-              <a:shade val="85000"/>
-            </a:srgbClr>
-          </a:solidFill>
-          <a:ln w="88900" cap="sq">
-            <a:solidFill>
-              <a:srgbClr val="FFFFFF"/>
-            </a:solidFill>
-            <a:miter lim="800000"/>
-          </a:ln>
-          <a:effectLst>
-            <a:outerShdw blurRad="55000" dist="18000" dir="5400000" algn="tl" rotWithShape="0">
-              <a:srgbClr val="000000">
-                <a:alpha val="40000"/>
-              </a:srgbClr>
-            </a:outerShdw>
-          </a:effectLst>
-          <a:scene3d>
-            <a:camera prst="orthographicFront"/>
-            <a:lightRig rig="twoPt" dir="t">
-              <a:rot lat="0" lon="0" rev="7200000"/>
-            </a:lightRig>
-          </a:scene3d>
-          <a:sp3d>
-            <a:bevelT w="25400" h="19050"/>
-            <a:contourClr>
-              <a:srgbClr val="FFFFFF"/>
-            </a:contourClr>
-          </a:sp3d>
-          <a:extLst>
-            <a:ext uri="{909E8E84-426E-40DD-AFC4-6F175D3DCCD1}">
-              <a14:hiddenFill xmlns:a14="http://schemas.microsoft.com/office/drawing/2010/main">
-                <a:solidFill>
-                  <a:srgbClr val="FFFFFF"/>
-                </a:solidFill>
-              </a14:hiddenFill>
-            </a:ext>
-          </a:extLst>
-        </p:spPr>
-      </p:pic>
-    </p:spTree>
-    <p:extLst>
-      <p:ext uri="{BB962C8B-B14F-4D97-AF65-F5344CB8AC3E}">
-        <p14:creationId xmlns:p14="http://schemas.microsoft.com/office/powerpoint/2010/main" val="2270510526"/>
-      </p:ext>
-    </p:extLst>
-  </p:cSld>
-  <p:clrMapOvr>
-    <a:masterClrMapping/>
-  </p:clrMapOvr>
-</p:sld>
-</file>
-
-<file path=ppt/slides/slide4.xml><?xml version="1.0" encoding="utf-8"?>
-<p:sld xmlns:a="http://schemas.openxmlformats.org/drawingml/2006/main" xmlns:r="http://schemas.openxmlformats.org/officeDocument/2006/relationships" xmlns:p="http://schemas.openxmlformats.org/presentationml/2006/main">
-  <p:cSld>
-    <p:spTree>
-      <p:nvGrpSpPr>
-        <p:cNvPr id="1" name=""/>
-        <p:cNvGrpSpPr/>
-        <p:nvPr/>
-      </p:nvGrpSpPr>
-      <p:grpSpPr>
-        <a:xfrm>
-          <a:off x="0" y="0"/>
-          <a:ext cx="0" cy="0"/>
-          <a:chOff x="0" y="0"/>
-          <a:chExt cx="0" cy="0"/>
-        </a:xfrm>
-      </p:grpSpPr>
-      <p:sp>
-        <p:nvSpPr>
-          <p:cNvPr id="2" name="Заголовок 1"/>
-          <p:cNvSpPr>
-            <a:spLocks noGrp="1"/>
-          </p:cNvSpPr>
-          <p:nvPr>
-            <p:ph type="title"/>
-          </p:nvPr>
-        </p:nvSpPr>
-        <p:spPr>
-          <a:xfrm>
-            <a:off x="639793" y="261608"/>
-            <a:ext cx="10515600" cy="1325563"/>
-          </a:xfrm>
-        </p:spPr>
-        <p:txBody>
-          <a:bodyPr/>
-          <a:lstStyle/>
-          <a:p>
-            <a:pPr marL="571500" indent="-571500">
-              <a:buFont typeface="Arial" panose="020B0604020202020204" pitchFamily="34" charset="0"/>
-              <a:buChar char="•"/>
-            </a:pPr>
-            <a:r>
-              <a:rPr lang="ru-RU" b="1" dirty="0" smtClean="0">
+              <a:rPr lang="ru-RU" b="1" dirty="0">
                 <a:latin typeface="Century Gothic" panose="020B0502020202020204" pitchFamily="34" charset="0"/>
               </a:rPr>
               <a:t>Вспомогательные матрицы</a:t>
@@ -3503,7 +3364,7 @@
         </p:nvSpPr>
         <p:spPr>
           <a:xfrm>
-            <a:off x="3996851" y="5149970"/>
+            <a:off x="3992162" y="5149970"/>
             <a:ext cx="9144000" cy="1842072"/>
           </a:xfrm>
           <a:prstGeom prst="rect">
@@ -3682,7 +3543,7 @@
             <a:pPr marL="0" indent="0">
               <a:buNone/>
             </a:pPr>
-            <a:endParaRPr lang="en-US" baseline="30000" dirty="0" smtClean="0">
+            <a:endParaRPr lang="en-US" baseline="30000" dirty="0">
               <a:latin typeface="Century Gothic" panose="020B0502020202020204" pitchFamily="34" charset="0"/>
             </a:endParaRPr>
           </a:p>
@@ -3696,114 +3557,193 @@
         </p:nvSpPr>
         <p:spPr>
           <a:xfrm>
-            <a:off x="6163241" y="4352295"/>
-            <a:ext cx="5375189" cy="954107"/>
+            <a:off x="6350475" y="4794880"/>
+            <a:ext cx="4862899" cy="1231106"/>
           </a:xfrm>
           <a:prstGeom prst="rect">
             <a:avLst/>
           </a:prstGeom>
         </p:spPr>
         <p:txBody>
-          <a:bodyPr wrap="none">
+          <a:bodyPr wrap="square">
             <a:spAutoFit/>
           </a:bodyPr>
           <a:lstStyle/>
           <a:p>
             <a:r>
-              <a:rPr lang="en-US" sz="2000" b="1" dirty="0" err="1" smtClean="0">
+              <a:rPr lang="en-US" sz="2000" b="1" dirty="0" err="1">
                 <a:latin typeface="Century Gothic" panose="020B0502020202020204" pitchFamily="34" charset="0"/>
               </a:rPr>
               <a:t>A</a:t>
             </a:r>
             <a:r>
-              <a:rPr lang="en-US" sz="2000" b="1" baseline="30000" dirty="0" err="1" smtClean="0">
+              <a:rPr lang="en-US" sz="2000" b="1" baseline="30000" dirty="0" err="1">
                 <a:latin typeface="Century Gothic" panose="020B0502020202020204" pitchFamily="34" charset="0"/>
               </a:rPr>
               <a:t>k</a:t>
             </a:r>
             <a:r>
-              <a:rPr lang="ru-RU" dirty="0" smtClean="0">
+              <a:rPr lang="ru-RU" dirty="0">
+                <a:latin typeface="Century Gothic" panose="020B0502020202020204" pitchFamily="34" charset="0"/>
+              </a:rPr>
+              <a:t> – матрица кратчайших путей графа из </a:t>
+            </a:r>
+            <a:r>
+              <a:rPr lang="en-US" dirty="0" err="1">
+                <a:latin typeface="Century Gothic" panose="020B0502020202020204" pitchFamily="34" charset="0"/>
+              </a:rPr>
+              <a:t>i</a:t>
+            </a:r>
+            <a:r>
+              <a:rPr lang="en-US" dirty="0">
                 <a:latin typeface="Century Gothic" panose="020B0502020202020204" pitchFamily="34" charset="0"/>
               </a:rPr>
               <a:t> </a:t>
             </a:r>
             <a:r>
-              <a:rPr lang="ru-RU" dirty="0" smtClean="0">
+              <a:rPr lang="ru-RU" dirty="0">
                 <a:latin typeface="Century Gothic" panose="020B0502020202020204" pitchFamily="34" charset="0"/>
               </a:rPr>
-              <a:t>– матрица путей графа из </a:t>
-            </a:r>
-            <a:r>
-              <a:rPr lang="en-US" dirty="0" err="1" smtClean="0">
+              <a:t>вершины в </a:t>
+            </a:r>
+            <a:r>
+              <a:rPr lang="en-US" dirty="0">
                 <a:latin typeface="Century Gothic" panose="020B0502020202020204" pitchFamily="34" charset="0"/>
               </a:rPr>
-              <a:t>i</a:t>
-            </a:r>
-            <a:r>
-              <a:rPr lang="en-US" dirty="0" smtClean="0">
+              <a:t>j,</a:t>
+            </a:r>
+            <a:br>
+              <a:rPr lang="en-US" dirty="0">
+                <a:latin typeface="Century Gothic" panose="020B0502020202020204" pitchFamily="34" charset="0"/>
+              </a:rPr>
+            </a:br>
+            <a:r>
+              <a:rPr lang="ru-RU" dirty="0">
+                <a:latin typeface="Century Gothic" panose="020B0502020202020204" pitchFamily="34" charset="0"/>
+              </a:rPr>
+              <a:t>где возможные промежуточные вершины(</a:t>
+            </a:r>
+            <a:r>
+              <a:rPr lang="en-US" dirty="0">
+                <a:latin typeface="Century Gothic" panose="020B0502020202020204" pitchFamily="34" charset="0"/>
+              </a:rPr>
+              <a:t>1,k)</a:t>
+            </a:r>
+          </a:p>
+        </p:txBody>
+      </p:sp>
+      <p:sp>
+        <p:nvSpPr>
+          <p:cNvPr id="7" name="Прямоугольник 6">
+            <a:extLst>
+              <a:ext uri="{FF2B5EF4-FFF2-40B4-BE49-F238E27FC236}">
+                <a16:creationId xmlns:a16="http://schemas.microsoft.com/office/drawing/2014/main" id="{18812159-6E4F-44E9-846F-FF2FB0B69BE9}"/>
+              </a:ext>
+            </a:extLst>
+          </p:cNvPr>
+          <p:cNvSpPr/>
+          <p:nvPr/>
+        </p:nvSpPr>
+        <p:spPr>
+          <a:xfrm>
+            <a:off x="2214155" y="4394770"/>
+            <a:ext cx="3933552" cy="400110"/>
+          </a:xfrm>
+          <a:prstGeom prst="rect">
+            <a:avLst/>
+          </a:prstGeom>
+        </p:spPr>
+        <p:txBody>
+          <a:bodyPr wrap="square">
+            <a:spAutoFit/>
+          </a:bodyPr>
+          <a:lstStyle/>
+          <a:p>
+            <a:r>
+              <a:rPr lang="en-US" sz="2000" b="1" dirty="0" err="1">
+                <a:latin typeface="Century Gothic" panose="020B0502020202020204" pitchFamily="34" charset="0"/>
+              </a:rPr>
+              <a:t>A</a:t>
+            </a:r>
+            <a:r>
+              <a:rPr lang="en-US" sz="1200" b="1" dirty="0" err="1">
+                <a:latin typeface="Century Gothic" panose="020B0502020202020204" pitchFamily="34" charset="0"/>
+              </a:rPr>
+              <a:t>ij</a:t>
+            </a:r>
+            <a:r>
+              <a:rPr lang="en-US" sz="2000" b="1" baseline="30000" dirty="0" err="1">
+                <a:latin typeface="Century Gothic" panose="020B0502020202020204" pitchFamily="34" charset="0"/>
+              </a:rPr>
+              <a:t>k</a:t>
+            </a:r>
+            <a:r>
+              <a:rPr lang="ru-RU" dirty="0">
                 <a:latin typeface="Century Gothic" panose="020B0502020202020204" pitchFamily="34" charset="0"/>
               </a:rPr>
               <a:t> </a:t>
             </a:r>
             <a:r>
-              <a:rPr lang="ru-RU" dirty="0" smtClean="0">
+              <a:rPr lang="en-US" dirty="0">
                 <a:latin typeface="Century Gothic" panose="020B0502020202020204" pitchFamily="34" charset="0"/>
               </a:rPr>
-              <a:t>вершины в </a:t>
-            </a:r>
-            <a:r>
-              <a:rPr lang="en-US" dirty="0" smtClean="0">
+              <a:t>= min(A</a:t>
+            </a:r>
+            <a:r>
+              <a:rPr lang="en-US" sz="1100" dirty="0">
                 <a:latin typeface="Century Gothic" panose="020B0502020202020204" pitchFamily="34" charset="0"/>
               </a:rPr>
-              <a:t>j,</a:t>
-            </a:r>
-            <a:br>
-              <a:rPr lang="en-US" dirty="0" smtClean="0">
+              <a:t>ij</a:t>
+            </a:r>
+            <a:r>
+              <a:rPr lang="en-US" baseline="30000" dirty="0">
                 <a:latin typeface="Century Gothic" panose="020B0502020202020204" pitchFamily="34" charset="0"/>
               </a:rPr>
-            </a:br>
-            <a:r>
-              <a:rPr lang="ru-RU" dirty="0" smtClean="0">
+              <a:t>k-1 </a:t>
+            </a:r>
+            <a:r>
+              <a:rPr lang="en-US" dirty="0">
                 <a:latin typeface="Century Gothic" panose="020B0502020202020204" pitchFamily="34" charset="0"/>
               </a:rPr>
-              <a:t>где </a:t>
-            </a:r>
-            <a:r>
-              <a:rPr lang="en-US" b="1" dirty="0" smtClean="0">
+              <a:t>, A</a:t>
+            </a:r>
+            <a:r>
+              <a:rPr lang="en-US" sz="1200" dirty="0">
                 <a:latin typeface="Century Gothic" panose="020B0502020202020204" pitchFamily="34" charset="0"/>
               </a:rPr>
-              <a:t>k</a:t>
-            </a:r>
-            <a:r>
-              <a:rPr lang="en-US" dirty="0" smtClean="0">
+              <a:t>ik</a:t>
+            </a:r>
+            <a:r>
+              <a:rPr lang="en-US" baseline="30000" dirty="0">
                 <a:latin typeface="Century Gothic" panose="020B0502020202020204" pitchFamily="34" charset="0"/>
               </a:rPr>
-              <a:t> – </a:t>
-            </a:r>
-            <a:r>
-              <a:rPr lang="ru-RU" dirty="0" smtClean="0">
+              <a:t>k-1 </a:t>
+            </a:r>
+            <a:r>
+              <a:rPr lang="en-US" dirty="0">
                 <a:latin typeface="Century Gothic" panose="020B0502020202020204" pitchFamily="34" charset="0"/>
               </a:rPr>
-              <a:t>номер последней вершины</a:t>
-            </a:r>
-            <a:r>
-              <a:rPr lang="en-US" dirty="0" smtClean="0">
+              <a:t>+ A</a:t>
+            </a:r>
+            <a:r>
+              <a:rPr lang="en-US" sz="1200" dirty="0">
                 <a:latin typeface="Century Gothic" panose="020B0502020202020204" pitchFamily="34" charset="0"/>
               </a:rPr>
-              <a:t>, </a:t>
-            </a:r>
-            <a:br>
-              <a:rPr lang="en-US" dirty="0" smtClean="0">
+              <a:t>kj</a:t>
+            </a:r>
+            <a:r>
+              <a:rPr lang="en-US" baseline="30000" dirty="0">
                 <a:latin typeface="Century Gothic" panose="020B0502020202020204" pitchFamily="34" charset="0"/>
               </a:rPr>
-            </a:br>
-            <a:r>
-              <a:rPr lang="ru-RU" dirty="0" smtClean="0">
+              <a:t>k-1</a:t>
+            </a:r>
+            <a:r>
+              <a:rPr lang="en-US" dirty="0">
                 <a:latin typeface="Century Gothic" panose="020B0502020202020204" pitchFamily="34" charset="0"/>
               </a:rPr>
-              <a:t>через которой может проходить путь</a:t>
-            </a:r>
-            <a:endParaRPr lang="en-US" dirty="0">
+              <a:t>)</a:t>
+            </a:r>
+            <a:endParaRPr lang="en-US" baseline="30000" dirty="0">
               <a:latin typeface="Century Gothic" panose="020B0502020202020204" pitchFamily="34" charset="0"/>
             </a:endParaRPr>
           </a:p>
@@ -3813,6 +3753,133 @@
     <p:extLst>
       <p:ext uri="{BB962C8B-B14F-4D97-AF65-F5344CB8AC3E}">
         <p14:creationId xmlns:p14="http://schemas.microsoft.com/office/powerpoint/2010/main" val="2826432459"/>
+      </p:ext>
+    </p:extLst>
+  </p:cSld>
+  <p:clrMapOvr>
+    <a:masterClrMapping/>
+  </p:clrMapOvr>
+</p:sld>
+</file>
+
+<file path=ppt/slides/slide4.xml><?xml version="1.0" encoding="utf-8"?>
+<p:sld xmlns:a="http://schemas.openxmlformats.org/drawingml/2006/main" xmlns:r="http://schemas.openxmlformats.org/officeDocument/2006/relationships" xmlns:p="http://schemas.openxmlformats.org/presentationml/2006/main">
+  <p:cSld>
+    <p:spTree>
+      <p:nvGrpSpPr>
+        <p:cNvPr id="1" name=""/>
+        <p:cNvGrpSpPr/>
+        <p:nvPr/>
+      </p:nvGrpSpPr>
+      <p:grpSpPr>
+        <a:xfrm>
+          <a:off x="0" y="0"/>
+          <a:ext cx="0" cy="0"/>
+          <a:chOff x="0" y="0"/>
+          <a:chExt cx="0" cy="0"/>
+        </a:xfrm>
+      </p:grpSpPr>
+      <p:sp>
+        <p:nvSpPr>
+          <p:cNvPr id="2" name="Заголовок 1"/>
+          <p:cNvSpPr>
+            <a:spLocks noGrp="1"/>
+          </p:cNvSpPr>
+          <p:nvPr>
+            <p:ph type="title"/>
+          </p:nvPr>
+        </p:nvSpPr>
+        <p:spPr>
+          <a:xfrm>
+            <a:off x="639793" y="261608"/>
+            <a:ext cx="10515600" cy="1325563"/>
+          </a:xfrm>
+        </p:spPr>
+        <p:txBody>
+          <a:bodyPr/>
+          <a:lstStyle/>
+          <a:p>
+            <a:pPr marL="571500" indent="-571500">
+              <a:buFont typeface="Arial" panose="020B0604020202020204" pitchFamily="34" charset="0"/>
+              <a:buChar char="•"/>
+            </a:pPr>
+            <a:r>
+              <a:rPr lang="ru-RU" b="1" dirty="0">
+                <a:latin typeface="Century Gothic" panose="020B0502020202020204" pitchFamily="34" charset="0"/>
+              </a:rPr>
+              <a:t>Суть алгоритма</a:t>
+            </a:r>
+            <a:endParaRPr lang="en-US" b="1" dirty="0">
+              <a:latin typeface="Century Gothic" panose="020B0502020202020204" pitchFamily="34" charset="0"/>
+            </a:endParaRPr>
+          </a:p>
+        </p:txBody>
+      </p:sp>
+      <p:pic>
+        <p:nvPicPr>
+          <p:cNvPr id="3078" name="Picture 6" descr="Picture background"/>
+          <p:cNvPicPr>
+            <a:picLocks noChangeAspect="1" noChangeArrowheads="1"/>
+          </p:cNvPicPr>
+          <p:nvPr/>
+        </p:nvPicPr>
+        <p:blipFill>
+          <a:blip r:embed="rId2">
+            <a:extLst>
+              <a:ext uri="{28A0092B-C50C-407E-A947-70E740481C1C}">
+                <a14:useLocalDpi xmlns:a14="http://schemas.microsoft.com/office/drawing/2010/main" val="0"/>
+              </a:ext>
+            </a:extLst>
+          </a:blip>
+          <a:srcRect/>
+          <a:stretch>
+            <a:fillRect/>
+          </a:stretch>
+        </p:blipFill>
+        <p:spPr bwMode="auto">
+          <a:xfrm>
+            <a:off x="2625397" y="1587171"/>
+            <a:ext cx="7442429" cy="3903628"/>
+          </a:xfrm>
+          <a:prstGeom prst="rect">
+            <a:avLst/>
+          </a:prstGeom>
+          <a:solidFill>
+            <a:srgbClr val="FFFFFF">
+              <a:shade val="85000"/>
+            </a:srgbClr>
+          </a:solidFill>
+          <a:ln w="88900" cap="sq">
+            <a:solidFill>
+              <a:srgbClr val="FFFFFF"/>
+            </a:solidFill>
+            <a:miter lim="800000"/>
+          </a:ln>
+          <a:effectLst>
+            <a:outerShdw blurRad="55000" dist="18000" dir="5400000" algn="tl" rotWithShape="0">
+              <a:srgbClr val="000000">
+                <a:alpha val="40000"/>
+              </a:srgbClr>
+            </a:outerShdw>
+          </a:effectLst>
+          <a:scene3d>
+            <a:camera prst="orthographicFront"/>
+            <a:lightRig rig="twoPt" dir="t">
+              <a:rot lat="0" lon="0" rev="7200000"/>
+            </a:lightRig>
+          </a:scene3d>
+          <a:sp3d>
+            <a:bevelT w="25400" h="19050"/>
+            <a:contourClr>
+              <a:srgbClr val="FFFFFF"/>
+            </a:contourClr>
+          </a:sp3d>
+        </p:spPr>
+      </p:pic>
+    </p:spTree>
+    <p:extLst>
+      <p:ext uri="{BB962C8B-B14F-4D97-AF65-F5344CB8AC3E}">
+        <p14:creationId xmlns:p14="http://schemas.microsoft.com/office/powerpoint/2010/main" val="2270510526"/>
       </p:ext>
     </p:extLst>
   </p:cSld>
@@ -3864,7 +3931,109 @@
               <a:buChar char="•"/>
             </a:pPr>
             <a:r>
-              <a:rPr lang="ru-RU" b="1" dirty="0" smtClean="0">
+              <a:rPr lang="ru-RU" b="1" dirty="0">
+                <a:latin typeface="Century Gothic" panose="020B0502020202020204" pitchFamily="34" charset="0"/>
+              </a:rPr>
+              <a:t>Реализация на </a:t>
+            </a:r>
+            <a:r>
+              <a:rPr lang="en-US" b="1" dirty="0" err="1">
+                <a:latin typeface="Century Gothic" panose="020B0502020202020204" pitchFamily="34" charset="0"/>
+              </a:rPr>
+              <a:t>c++</a:t>
+            </a:r>
+            <a:endParaRPr lang="en-US" b="1" dirty="0">
+              <a:latin typeface="Century Gothic" panose="020B0502020202020204" pitchFamily="34" charset="0"/>
+            </a:endParaRPr>
+          </a:p>
+        </p:txBody>
+      </p:sp>
+      <p:pic>
+        <p:nvPicPr>
+          <p:cNvPr id="3" name="Рисунок 2">
+            <a:extLst>
+              <a:ext uri="{FF2B5EF4-FFF2-40B4-BE49-F238E27FC236}">
+                <a16:creationId xmlns:a16="http://schemas.microsoft.com/office/drawing/2014/main" id="{7A18A6B8-1963-41BA-BFEF-A030E263AD81}"/>
+              </a:ext>
+            </a:extLst>
+          </p:cNvPr>
+          <p:cNvPicPr>
+            <a:picLocks noChangeAspect="1"/>
+          </p:cNvPicPr>
+          <p:nvPr/>
+        </p:nvPicPr>
+        <p:blipFill>
+          <a:blip r:embed="rId2"/>
+          <a:stretch>
+            <a:fillRect/>
+          </a:stretch>
+        </p:blipFill>
+        <p:spPr>
+          <a:xfrm>
+            <a:off x="1278914" y="1857514"/>
+            <a:ext cx="9237357" cy="3142972"/>
+          </a:xfrm>
+          <a:prstGeom prst="rect">
+            <a:avLst/>
+          </a:prstGeom>
+        </p:spPr>
+      </p:pic>
+    </p:spTree>
+    <p:extLst>
+      <p:ext uri="{BB962C8B-B14F-4D97-AF65-F5344CB8AC3E}">
+        <p14:creationId xmlns:p14="http://schemas.microsoft.com/office/powerpoint/2010/main" val="1018727835"/>
+      </p:ext>
+    </p:extLst>
+  </p:cSld>
+  <p:clrMapOvr>
+    <a:masterClrMapping/>
+  </p:clrMapOvr>
+</p:sld>
+</file>
+
+<file path=ppt/slides/slide6.xml><?xml version="1.0" encoding="utf-8"?>
+<p:sld xmlns:a="http://schemas.openxmlformats.org/drawingml/2006/main" xmlns:r="http://schemas.openxmlformats.org/officeDocument/2006/relationships" xmlns:p="http://schemas.openxmlformats.org/presentationml/2006/main">
+  <p:cSld>
+    <p:spTree>
+      <p:nvGrpSpPr>
+        <p:cNvPr id="1" name=""/>
+        <p:cNvGrpSpPr/>
+        <p:nvPr/>
+      </p:nvGrpSpPr>
+      <p:grpSpPr>
+        <a:xfrm>
+          <a:off x="0" y="0"/>
+          <a:ext cx="0" cy="0"/>
+          <a:chOff x="0" y="0"/>
+          <a:chExt cx="0" cy="0"/>
+        </a:xfrm>
+      </p:grpSpPr>
+      <p:sp>
+        <p:nvSpPr>
+          <p:cNvPr id="2" name="Заголовок 1"/>
+          <p:cNvSpPr>
+            <a:spLocks noGrp="1"/>
+          </p:cNvSpPr>
+          <p:nvPr>
+            <p:ph type="title"/>
+          </p:nvPr>
+        </p:nvSpPr>
+        <p:spPr>
+          <a:xfrm>
+            <a:off x="639793" y="261608"/>
+            <a:ext cx="10515600" cy="1325563"/>
+          </a:xfrm>
+        </p:spPr>
+        <p:txBody>
+          <a:bodyPr/>
+          <a:lstStyle/>
+          <a:p>
+            <a:pPr marL="571500" indent="-571500">
+              <a:buFont typeface="Arial" panose="020B0604020202020204" pitchFamily="34" charset="0"/>
+              <a:buChar char="•"/>
+            </a:pPr>
+            <a:r>
+              <a:rPr lang="ru-RU" b="1" dirty="0">
                 <a:latin typeface="Century Gothic" panose="020B0502020202020204" pitchFamily="34" charset="0"/>
               </a:rPr>
               <a:t>Плюсы и минусы</a:t>
@@ -3884,13 +4053,13 @@
           <p:nvPr>
             <p:extLst>
               <p:ext uri="{D42A27DB-BD31-4B8C-83A1-F6EECF244321}">
-                <p14:modId xmlns:p14="http://schemas.microsoft.com/office/powerpoint/2010/main" val="3218441582"/>
+                <p14:modId xmlns:p14="http://schemas.microsoft.com/office/powerpoint/2010/main" val="3033695006"/>
               </p:ext>
             </p:extLst>
           </p:nvPr>
         </p:nvGraphicFramePr>
         <p:xfrm>
-          <a:off x="3071002" y="1449148"/>
+          <a:off x="3057037" y="1623034"/>
           <a:ext cx="5681111" cy="4428164"/>
         </p:xfrm>
         <a:graphic>
@@ -3923,14 +4092,11 @@
                     <a:p>
                       <a:pPr algn="l"/>
                       <a:r>
-                        <a:rPr lang="az-Cyrl-AZ" b="1" dirty="0" smtClean="0">
+                        <a:rPr lang="az-Cyrl-AZ" b="1" dirty="0">
                           <a:effectLst/>
                         </a:rPr>
                         <a:t>+</a:t>
                       </a:r>
-                      <a:endParaRPr lang="az-Cyrl-AZ" b="1" dirty="0">
-                        <a:effectLst/>
-                      </a:endParaRPr>
                     </a:p>
                   </a:txBody>
                   <a:tcPr marR="95250" marT="95250" marB="95250" anchor="ctr"/>
@@ -3942,14 +4108,11 @@
                     <a:p>
                       <a:pPr algn="l"/>
                       <a:r>
-                        <a:rPr lang="az-Cyrl-AZ" b="1" dirty="0" smtClean="0">
+                        <a:rPr lang="az-Cyrl-AZ" b="1" dirty="0">
                           <a:effectLst/>
                         </a:rPr>
                         <a:t>-</a:t>
                       </a:r>
-                      <a:endParaRPr lang="az-Cyrl-AZ" b="1" dirty="0">
-                        <a:effectLst/>
-                      </a:endParaRPr>
                     </a:p>
                   </a:txBody>
                   <a:tcPr marL="95250" marR="95250" marT="95250" marB="95250" anchor="ctr"/>
@@ -3970,17 +4133,8 @@
                         <a:rPr lang="ru-RU" b="0" dirty="0">
                           <a:effectLst/>
                         </a:rPr>
-                        <a:t>Простота </a:t>
+                        <a:t>Простота реализации</a:t>
                       </a:r>
-                      <a:r>
-                        <a:rPr lang="ru-RU" b="0" dirty="0" smtClean="0">
-                          <a:effectLst/>
-                        </a:rPr>
-                        <a:t>реализации</a:t>
-                      </a:r>
-                      <a:endParaRPr lang="ru-RU" b="0" dirty="0">
-                        <a:effectLst/>
-                      </a:endParaRPr>
                     </a:p>
                   </a:txBody>
                   <a:tcPr marR="95250" marT="95250" marB="95250" anchor="ctr"/>
@@ -4011,22 +4165,16 @@
                         <a:rPr lang="ru-RU" dirty="0">
                           <a:effectLst/>
                         </a:rPr>
-                        <a:t>Высокая временная сложность </a:t>
+                        <a:t>Высокая временная сложность —</a:t>
                       </a:r>
                       <a:r>
-                        <a:rPr lang="ru-RU" dirty="0" smtClean="0">
-                          <a:effectLst/>
-                        </a:rPr>
-                        <a:t>—</a:t>
-                      </a:r>
-                      <a:r>
-                        <a:rPr lang="en-US" baseline="0" dirty="0" smtClean="0">
+                        <a:rPr lang="en-US" baseline="0" dirty="0">
                           <a:effectLst/>
                         </a:rPr>
                         <a:t> </a:t>
                       </a:r>
                       <a:r>
-                        <a:rPr lang="en-US" sz="1800" b="1" kern="1200" dirty="0" smtClean="0">
+                        <a:rPr lang="en-US" sz="1800" b="1" kern="1200" dirty="0">
                           <a:solidFill>
                             <a:schemeClr val="dk1"/>
                           </a:solidFill>
@@ -4038,7 +4186,7 @@
                         <a:t>O(n</a:t>
                       </a:r>
                       <a:r>
-                        <a:rPr lang="en-US" sz="1800" b="1" kern="1200" baseline="30000" dirty="0" smtClean="0">
+                        <a:rPr lang="en-US" sz="1800" b="1" kern="1200" baseline="30000" dirty="0">
                           <a:solidFill>
                             <a:schemeClr val="dk1"/>
                           </a:solidFill>
@@ -4050,7 +4198,7 @@
                         <a:t>3</a:t>
                       </a:r>
                       <a:r>
-                        <a:rPr lang="en-US" sz="1800" b="1" kern="1200" dirty="0" smtClean="0">
+                        <a:rPr lang="en-US" sz="1800" b="1" kern="1200" dirty="0">
                           <a:solidFill>
                             <a:schemeClr val="dk1"/>
                           </a:solidFill>
@@ -4078,26 +4226,23 @@
                     <a:lstStyle/>
                     <a:p>
                       <a:r>
-                        <a:rPr lang="ru-RU" b="0" dirty="0" smtClean="0">
+                        <a:rPr lang="ru-RU" b="0" dirty="0">
                           <a:effectLst/>
                         </a:rPr>
                         <a:t>Находит кратчайшие</a:t>
                       </a:r>
                       <a:r>
-                        <a:rPr lang="ru-RU" b="0" baseline="0" dirty="0" smtClean="0">
+                        <a:rPr lang="ru-RU" b="0" baseline="0" dirty="0">
                           <a:effectLst/>
                         </a:rPr>
                         <a:t> </a:t>
                       </a:r>
                       <a:r>
-                        <a:rPr lang="ru-RU" b="0" dirty="0" smtClean="0">
+                        <a:rPr lang="ru-RU" b="0" dirty="0">
                           <a:effectLst/>
                         </a:rPr>
-                        <a:t>пути между каждой парой вершин за одну операцию.</a:t>
+                        <a:t>пути между каждой парой вершин за один алгоритм.</a:t>
                       </a:r>
-                      <a:endParaRPr lang="ru-RU" b="0" dirty="0">
-                        <a:effectLst/>
-                      </a:endParaRPr>
                     </a:p>
                   </a:txBody>
                   <a:tcPr marR="95250" marT="95250" marB="95250" anchor="ctr"/>
@@ -4108,13 +4253,13 @@
                     <a:lstStyle/>
                     <a:p>
                       <a:r>
-                        <a:rPr lang="ru-RU" dirty="0" smtClean="0">
+                        <a:rPr lang="ru-RU" dirty="0">
                           <a:effectLst/>
                         </a:rPr>
                         <a:t>Высокая</a:t>
                       </a:r>
                       <a:r>
-                        <a:rPr lang="ru-RU" baseline="0" dirty="0" smtClean="0">
+                        <a:rPr lang="ru-RU" baseline="0" dirty="0">
                           <a:effectLst/>
                         </a:rPr>
                         <a:t> сложность по памяти</a:t>
@@ -4126,7 +4271,7 @@
                         <a:t> — </a:t>
                       </a:r>
                       <a:r>
-                        <a:rPr lang="en-US" sz="1800" b="1" kern="1200" dirty="0" smtClean="0">
+                        <a:rPr lang="en-US" sz="1800" b="1" kern="1200" dirty="0">
                           <a:solidFill>
                             <a:schemeClr val="dk1"/>
                           </a:solidFill>
@@ -4138,7 +4283,7 @@
                         <a:t>O(n</a:t>
                       </a:r>
                       <a:r>
-                        <a:rPr lang="ru-RU" sz="1800" b="1" kern="1200" baseline="30000" dirty="0" smtClean="0">
+                        <a:rPr lang="ru-RU" sz="1800" b="1" kern="1200" baseline="30000" dirty="0">
                           <a:solidFill>
                             <a:schemeClr val="dk1"/>
                           </a:solidFill>
@@ -4150,7 +4295,7 @@
                         <a:t>2</a:t>
                       </a:r>
                       <a:r>
-                        <a:rPr lang="en-US" sz="1800" b="1" kern="1200" dirty="0" smtClean="0">
+                        <a:rPr lang="en-US" sz="1800" b="1" kern="1200" dirty="0">
                           <a:solidFill>
                             <a:schemeClr val="dk1"/>
                           </a:solidFill>
@@ -4161,20 +4306,8 @@
                         </a:rPr>
                         <a:t>)</a:t>
                       </a:r>
-                      <a:r>
-                        <a:rPr lang="ru-RU" sz="1800" kern="1200" dirty="0" smtClean="0">
-                          <a:solidFill>
-                            <a:schemeClr val="dk1"/>
-                          </a:solidFill>
-                          <a:effectLst/>
-                          <a:latin typeface="+mn-lt"/>
-                          <a:ea typeface="+mn-ea"/>
-                          <a:cs typeface="+mn-cs"/>
-                        </a:rPr>
-                        <a:t/>
-                      </a:r>
                       <a:br>
-                        <a:rPr lang="ru-RU" sz="1800" kern="1200" dirty="0" smtClean="0">
+                        <a:rPr lang="ru-RU" sz="1800" kern="1200" dirty="0">
                           <a:solidFill>
                             <a:schemeClr val="dk1"/>
                           </a:solidFill>
@@ -4185,7 +4318,7 @@
                         </a:rPr>
                       </a:br>
                       <a:r>
-                        <a:rPr lang="ru-RU" sz="1800" kern="1200" dirty="0" smtClean="0">
+                        <a:rPr lang="ru-RU" sz="1800" kern="1200" dirty="0">
                           <a:solidFill>
                             <a:schemeClr val="dk1"/>
                           </a:solidFill>
@@ -4197,7 +4330,7 @@
                         <a:t>Требует хранение</a:t>
                       </a:r>
                       <a:r>
-                        <a:rPr lang="ru-RU" sz="1800" kern="1200" baseline="0" dirty="0" smtClean="0">
+                        <a:rPr lang="ru-RU" sz="1800" kern="1200" baseline="0" dirty="0">
                           <a:solidFill>
                             <a:schemeClr val="dk1"/>
                           </a:solidFill>
@@ -4228,7 +4361,7 @@
                     <a:lstStyle/>
                     <a:p>
                       <a:r>
-                        <a:rPr lang="ru-RU" sz="1800" b="0" i="0" kern="1200" dirty="0" smtClean="0">
+                        <a:rPr lang="ru-RU" sz="1800" b="0" i="0" kern="1200" dirty="0">
                           <a:solidFill>
                             <a:schemeClr val="dk1"/>
                           </a:solidFill>
@@ -4240,7 +4373,7 @@
                         <a:t>В отличие от алгоритма</a:t>
                       </a:r>
                       <a:r>
-                        <a:rPr lang="ru-RU" sz="1800" b="0" i="0" kern="1200" baseline="0" dirty="0" smtClean="0">
+                        <a:rPr lang="ru-RU" sz="1800" b="0" i="0" kern="1200" baseline="0" dirty="0">
                           <a:solidFill>
                             <a:schemeClr val="dk1"/>
                           </a:solidFill>
@@ -4252,7 +4385,7 @@
                         <a:t> </a:t>
                       </a:r>
                       <a:r>
-                        <a:rPr lang="ru-RU" sz="1800" b="0" i="0" kern="1200" baseline="0" dirty="0" err="1" smtClean="0">
+                        <a:rPr lang="ru-RU" sz="1800" b="0" i="0" kern="1200" baseline="0" dirty="0" err="1">
                           <a:solidFill>
                             <a:schemeClr val="dk1"/>
                           </a:solidFill>
@@ -4264,7 +4397,7 @@
                         <a:t>Дейкстры</a:t>
                       </a:r>
                       <a:r>
-                        <a:rPr lang="en-US" sz="1800" b="0" i="0" kern="1200" baseline="0" dirty="0" smtClean="0">
+                        <a:rPr lang="en-US" sz="1800" b="0" i="0" kern="1200" baseline="0" dirty="0">
                           <a:solidFill>
                             <a:schemeClr val="dk1"/>
                           </a:solidFill>
@@ -4276,7 +4409,7 @@
                         <a:t>, </a:t>
                       </a:r>
                       <a:r>
-                        <a:rPr lang="ru-RU" sz="1800" b="0" i="0" kern="1200" baseline="0" dirty="0" smtClean="0">
+                        <a:rPr lang="ru-RU" sz="1800" b="0" i="0" kern="1200" baseline="0" dirty="0">
                           <a:solidFill>
                             <a:schemeClr val="dk1"/>
                           </a:solidFill>
@@ -4288,7 +4421,7 @@
                         <a:t>р</a:t>
                       </a:r>
                       <a:r>
-                        <a:rPr lang="ru-RU" sz="1800" b="0" i="0" kern="1200" dirty="0" smtClean="0">
+                        <a:rPr lang="ru-RU" sz="1800" b="0" i="0" kern="1200" dirty="0">
                           <a:solidFill>
                             <a:schemeClr val="dk1"/>
                           </a:solidFill>
@@ -4300,7 +4433,7 @@
                         <a:t>аботает</a:t>
                       </a:r>
                       <a:r>
-                        <a:rPr lang="ru-RU" sz="1800" b="0" i="0" kern="1200" baseline="0" dirty="0" smtClean="0">
+                        <a:rPr lang="ru-RU" sz="1800" b="0" i="0" kern="1200" baseline="0" dirty="0">
                           <a:solidFill>
                             <a:schemeClr val="dk1"/>
                           </a:solidFill>
@@ -4324,7 +4457,7 @@
                     <a:lstStyle/>
                     <a:p>
                       <a:r>
-                        <a:rPr lang="ru-RU" sz="1800" b="0" i="0" kern="1200" dirty="0" smtClean="0">
+                        <a:rPr lang="ru-RU" sz="1800" b="0" i="0" kern="1200" dirty="0">
                           <a:solidFill>
                             <a:schemeClr val="dk1"/>
                           </a:solidFill>
